--- a/01.document/06.레벨디자인/[contents5]20200210_cyberheart_Level_design_이경호_ver0.1.pptx
+++ b/01.document/06.레벨디자인/[contents5]20200210_cyberheart_Level_design_이경호_ver0.1.pptx
@@ -16,7 +16,7 @@
     <p:sldId id="261" r:id="rId7"/>
     <p:sldId id="258" r:id="rId8"/>
     <p:sldId id="279" r:id="rId9"/>
-    <p:sldId id="272" r:id="rId10"/>
+    <p:sldId id="280" r:id="rId10"/>
     <p:sldId id="274" r:id="rId11"/>
     <p:sldId id="275" r:id="rId12"/>
     <p:sldId id="278" r:id="rId13"/>
@@ -1064,6 +1064,14 @@
         </dgm:presLayoutVars>
       </dgm:prSet>
       <dgm:spPr/>
+      <dgm:t>
+        <a:bodyPr/>
+        <a:lstStyle/>
+        <a:p>
+          <a:pPr latinLnBrk="1"/>
+          <a:endParaRPr lang="ko-KR" altLang="en-US"/>
+        </a:p>
+      </dgm:t>
     </dgm:pt>
     <dgm:pt modelId="{1CA56007-3C1A-4B33-8B9B-EF453D7755E3}" type="pres">
       <dgm:prSet presAssocID="{45D348E3-C0E8-4C25-91C6-61580B9ACD70}" presName="dummy" presStyleCnt="0"/>
@@ -1088,6 +1096,14 @@
     <dgm:pt modelId="{3B6BA37E-0902-4BA4-BA16-C9AB234817E6}" type="pres">
       <dgm:prSet presAssocID="{F4AF3A28-8542-45C7-BED4-37E428520C04}" presName="sibTrans" presStyleLbl="node1" presStyleIdx="0" presStyleCnt="3"/>
       <dgm:spPr/>
+      <dgm:t>
+        <a:bodyPr/>
+        <a:lstStyle/>
+        <a:p>
+          <a:pPr latinLnBrk="1"/>
+          <a:endParaRPr lang="ko-KR" altLang="en-US"/>
+        </a:p>
+      </dgm:t>
     </dgm:pt>
     <dgm:pt modelId="{198C8AB7-B76E-4A0D-9DFD-D1B7357A429D}" type="pres">
       <dgm:prSet presAssocID="{81129599-814F-428B-8B27-22625159D59C}" presName="dummy" presStyleCnt="0"/>
@@ -1112,6 +1128,14 @@
     <dgm:pt modelId="{67A2151D-EA05-4EF0-B880-91EBBB40996A}" type="pres">
       <dgm:prSet presAssocID="{1E78CA93-5367-4F3F-98F6-111A18F0DA57}" presName="sibTrans" presStyleLbl="node1" presStyleIdx="1" presStyleCnt="3"/>
       <dgm:spPr/>
+      <dgm:t>
+        <a:bodyPr/>
+        <a:lstStyle/>
+        <a:p>
+          <a:pPr latinLnBrk="1"/>
+          <a:endParaRPr lang="ko-KR" altLang="en-US"/>
+        </a:p>
+      </dgm:t>
     </dgm:pt>
     <dgm:pt modelId="{F52004FA-04E8-43FF-B867-8D892D57CAE9}" type="pres">
       <dgm:prSet presAssocID="{A5EC4826-DFCA-4CD8-968D-30F461347C67}" presName="dummy" presStyleCnt="0"/>
@@ -1136,19 +1160,27 @@
     <dgm:pt modelId="{4CB7ED5E-AA19-4B37-B992-B7D4DF1CA7BD}" type="pres">
       <dgm:prSet presAssocID="{5BC5EBFD-4637-4799-83C5-16FB617CEF1F}" presName="sibTrans" presStyleLbl="node1" presStyleIdx="2" presStyleCnt="3"/>
       <dgm:spPr/>
+      <dgm:t>
+        <a:bodyPr/>
+        <a:lstStyle/>
+        <a:p>
+          <a:pPr latinLnBrk="1"/>
+          <a:endParaRPr lang="ko-KR" altLang="en-US"/>
+        </a:p>
+      </dgm:t>
     </dgm:pt>
   </dgm:ptLst>
   <dgm:cxnLst>
     <dgm:cxn modelId="{4249D0B4-55EA-401C-AB44-76DB2FB47323}" srcId="{5D3C9EA5-28C3-4F4D-8980-8D7D185E3440}" destId="{45D348E3-C0E8-4C25-91C6-61580B9ACD70}" srcOrd="0" destOrd="0" parTransId="{73ED78BC-FC0F-40D7-96A7-90F3CD02E72A}" sibTransId="{F4AF3A28-8542-45C7-BED4-37E428520C04}"/>
+    <dgm:cxn modelId="{FBD421F6-DCC0-4912-8928-8DBB5AADE2AA}" type="presOf" srcId="{5D3C9EA5-28C3-4F4D-8980-8D7D185E3440}" destId="{B4693072-B6A6-445F-8EC2-0B25EB15FF4C}" srcOrd="0" destOrd="0" presId="urn:microsoft.com/office/officeart/2005/8/layout/cycle1"/>
+    <dgm:cxn modelId="{484E2A0E-2927-4353-8CAD-114D2C8D2C17}" type="presOf" srcId="{A5EC4826-DFCA-4CD8-968D-30F461347C67}" destId="{113CFE94-95CE-465E-91BE-E0EE95168409}" srcOrd="0" destOrd="0" presId="urn:microsoft.com/office/officeart/2005/8/layout/cycle1"/>
+    <dgm:cxn modelId="{2FB78D21-7554-4B86-83A4-DE25D6CBDDB1}" srcId="{5D3C9EA5-28C3-4F4D-8980-8D7D185E3440}" destId="{A5EC4826-DFCA-4CD8-968D-30F461347C67}" srcOrd="2" destOrd="0" parTransId="{DD9D8F87-6E0F-410F-AB8F-2F863D846522}" sibTransId="{5BC5EBFD-4637-4799-83C5-16FB617CEF1F}"/>
+    <dgm:cxn modelId="{EB79A092-6EC9-4DA2-9697-879DB6F2D0AC}" srcId="{5D3C9EA5-28C3-4F4D-8980-8D7D185E3440}" destId="{81129599-814F-428B-8B27-22625159D59C}" srcOrd="1" destOrd="0" parTransId="{17DA3C8B-960D-4CBB-AB85-C34D31D84BA6}" sibTransId="{1E78CA93-5367-4F3F-98F6-111A18F0DA57}"/>
+    <dgm:cxn modelId="{D3145D36-FE64-4CFD-9A98-959DB0059347}" type="presOf" srcId="{F4AF3A28-8542-45C7-BED4-37E428520C04}" destId="{3B6BA37E-0902-4BA4-BA16-C9AB234817E6}" srcOrd="0" destOrd="0" presId="urn:microsoft.com/office/officeart/2005/8/layout/cycle1"/>
+    <dgm:cxn modelId="{1DAFFCEC-412C-4FB8-9420-1EB9423BB6D8}" type="presOf" srcId="{45D348E3-C0E8-4C25-91C6-61580B9ACD70}" destId="{1A508226-B968-4952-80A7-0ED0849C8023}" srcOrd="0" destOrd="0" presId="urn:microsoft.com/office/officeart/2005/8/layout/cycle1"/>
+    <dgm:cxn modelId="{901547D0-E692-4185-8C59-96C13B67AC62}" type="presOf" srcId="{1E78CA93-5367-4F3F-98F6-111A18F0DA57}" destId="{67A2151D-EA05-4EF0-B880-91EBBB40996A}" srcOrd="0" destOrd="0" presId="urn:microsoft.com/office/officeart/2005/8/layout/cycle1"/>
+    <dgm:cxn modelId="{74E17A02-DB34-48CF-B9CD-7469963F6D80}" type="presOf" srcId="{81129599-814F-428B-8B27-22625159D59C}" destId="{40FC858F-2CA7-43A5-9CB0-91DE06A302FE}" srcOrd="0" destOrd="0" presId="urn:microsoft.com/office/officeart/2005/8/layout/cycle1"/>
     <dgm:cxn modelId="{5BF71346-9106-4AF2-B556-14DA74911293}" type="presOf" srcId="{5BC5EBFD-4637-4799-83C5-16FB617CEF1F}" destId="{4CB7ED5E-AA19-4B37-B992-B7D4DF1CA7BD}" srcOrd="0" destOrd="0" presId="urn:microsoft.com/office/officeart/2005/8/layout/cycle1"/>
-    <dgm:cxn modelId="{D3145D36-FE64-4CFD-9A98-959DB0059347}" type="presOf" srcId="{F4AF3A28-8542-45C7-BED4-37E428520C04}" destId="{3B6BA37E-0902-4BA4-BA16-C9AB234817E6}" srcOrd="0" destOrd="0" presId="urn:microsoft.com/office/officeart/2005/8/layout/cycle1"/>
-    <dgm:cxn modelId="{484E2A0E-2927-4353-8CAD-114D2C8D2C17}" type="presOf" srcId="{A5EC4826-DFCA-4CD8-968D-30F461347C67}" destId="{113CFE94-95CE-465E-91BE-E0EE95168409}" srcOrd="0" destOrd="0" presId="urn:microsoft.com/office/officeart/2005/8/layout/cycle1"/>
-    <dgm:cxn modelId="{74E17A02-DB34-48CF-B9CD-7469963F6D80}" type="presOf" srcId="{81129599-814F-428B-8B27-22625159D59C}" destId="{40FC858F-2CA7-43A5-9CB0-91DE06A302FE}" srcOrd="0" destOrd="0" presId="urn:microsoft.com/office/officeart/2005/8/layout/cycle1"/>
-    <dgm:cxn modelId="{EB79A092-6EC9-4DA2-9697-879DB6F2D0AC}" srcId="{5D3C9EA5-28C3-4F4D-8980-8D7D185E3440}" destId="{81129599-814F-428B-8B27-22625159D59C}" srcOrd="1" destOrd="0" parTransId="{17DA3C8B-960D-4CBB-AB85-C34D31D84BA6}" sibTransId="{1E78CA93-5367-4F3F-98F6-111A18F0DA57}"/>
-    <dgm:cxn modelId="{901547D0-E692-4185-8C59-96C13B67AC62}" type="presOf" srcId="{1E78CA93-5367-4F3F-98F6-111A18F0DA57}" destId="{67A2151D-EA05-4EF0-B880-91EBBB40996A}" srcOrd="0" destOrd="0" presId="urn:microsoft.com/office/officeart/2005/8/layout/cycle1"/>
-    <dgm:cxn modelId="{FBD421F6-DCC0-4912-8928-8DBB5AADE2AA}" type="presOf" srcId="{5D3C9EA5-28C3-4F4D-8980-8D7D185E3440}" destId="{B4693072-B6A6-445F-8EC2-0B25EB15FF4C}" srcOrd="0" destOrd="0" presId="urn:microsoft.com/office/officeart/2005/8/layout/cycle1"/>
-    <dgm:cxn modelId="{2FB78D21-7554-4B86-83A4-DE25D6CBDDB1}" srcId="{5D3C9EA5-28C3-4F4D-8980-8D7D185E3440}" destId="{A5EC4826-DFCA-4CD8-968D-30F461347C67}" srcOrd="2" destOrd="0" parTransId="{DD9D8F87-6E0F-410F-AB8F-2F863D846522}" sibTransId="{5BC5EBFD-4637-4799-83C5-16FB617CEF1F}"/>
-    <dgm:cxn modelId="{1DAFFCEC-412C-4FB8-9420-1EB9423BB6D8}" type="presOf" srcId="{45D348E3-C0E8-4C25-91C6-61580B9ACD70}" destId="{1A508226-B968-4952-80A7-0ED0849C8023}" srcOrd="0" destOrd="0" presId="urn:microsoft.com/office/officeart/2005/8/layout/cycle1"/>
     <dgm:cxn modelId="{B33BB230-DBE1-4A42-BBD5-3E36CD4F0E8E}" type="presParOf" srcId="{B4693072-B6A6-445F-8EC2-0B25EB15FF4C}" destId="{1CA56007-3C1A-4B33-8B9B-EF453D7755E3}" srcOrd="0" destOrd="0" presId="urn:microsoft.com/office/officeart/2005/8/layout/cycle1"/>
     <dgm:cxn modelId="{6B60ABD8-7A65-482C-AD1F-8FC51CCE4BF6}" type="presParOf" srcId="{B4693072-B6A6-445F-8EC2-0B25EB15FF4C}" destId="{1A508226-B968-4952-80A7-0ED0849C8023}" srcOrd="1" destOrd="0" presId="urn:microsoft.com/office/officeart/2005/8/layout/cycle1"/>
     <dgm:cxn modelId="{A638F993-D42F-4FC1-A07D-1C2A6C050807}" type="presParOf" srcId="{B4693072-B6A6-445F-8EC2-0B25EB15FF4C}" destId="{3B6BA37E-0902-4BA4-BA16-C9AB234817E6}" srcOrd="2" destOrd="0" presId="urn:microsoft.com/office/officeart/2005/8/layout/cycle1"/>
@@ -2978,7 +3010,7 @@
           <a:p>
             <a:fld id="{82674F3D-BD32-4778-BD6A-A6E50C45F655}" type="datetimeFigureOut">
               <a:rPr lang="ko-KR" altLang="en-US" smtClean="0"/>
-              <a:t>2020-02-10</a:t>
+              <a:t>2020-02-11</a:t>
             </a:fld>
             <a:endParaRPr lang="ko-KR" altLang="en-US"/>
           </a:p>
@@ -3458,7 +3490,7 @@
           <a:p>
             <a:fld id="{55BA1CCD-F074-427C-A04B-96D67DB3D6B3}" type="datetime1">
               <a:rPr lang="ko-KR" altLang="en-US" smtClean="0"/>
-              <a:t>2020-02-10</a:t>
+              <a:t>2020-02-11</a:t>
             </a:fld>
             <a:endParaRPr lang="ko-KR" altLang="en-US"/>
           </a:p>
@@ -3714,7 +3746,7 @@
           <a:p>
             <a:fld id="{7F166A92-59E5-4011-9BD6-597E888A2283}" type="datetime1">
               <a:rPr lang="ko-KR" altLang="en-US" smtClean="0"/>
-              <a:t>2020-02-10</a:t>
+              <a:t>2020-02-11</a:t>
             </a:fld>
             <a:endParaRPr lang="ko-KR" altLang="en-US"/>
           </a:p>
@@ -3886,7 +3918,7 @@
           <a:p>
             <a:fld id="{25F8A7E2-916D-4390-9042-65AED9BE76F9}" type="datetime1">
               <a:rPr lang="ko-KR" altLang="en-US" smtClean="0"/>
-              <a:t>2020-02-10</a:t>
+              <a:t>2020-02-11</a:t>
             </a:fld>
             <a:endParaRPr lang="ko-KR" altLang="en-US"/>
           </a:p>
@@ -4068,7 +4100,7 @@
           <a:p>
             <a:fld id="{7635224A-573A-45E2-8CB5-F9B139B6195F}" type="datetime1">
               <a:rPr lang="ko-KR" altLang="en-US" smtClean="0"/>
-              <a:t>2020-02-10</a:t>
+              <a:t>2020-02-11</a:t>
             </a:fld>
             <a:endParaRPr lang="ko-KR" altLang="en-US"/>
           </a:p>
@@ -4255,7 +4287,7 @@
           <a:p>
             <a:fld id="{3B3A31F0-DC5C-45F6-BF16-81D1F0F2C2F7}" type="datetime1">
               <a:rPr lang="ko-KR" altLang="en-US" smtClean="0"/>
-              <a:t>2020-02-10</a:t>
+              <a:t>2020-02-11</a:t>
             </a:fld>
             <a:endParaRPr lang="ko-KR" altLang="en-US"/>
           </a:p>
@@ -4473,7 +4505,7 @@
           <a:p>
             <a:fld id="{3B3A31F0-DC5C-45F6-BF16-81D1F0F2C2F7}" type="datetime1">
               <a:rPr lang="ko-KR" altLang="en-US" smtClean="0"/>
-              <a:t>2020-02-10</a:t>
+              <a:t>2020-02-11</a:t>
             </a:fld>
             <a:endParaRPr lang="ko-KR" altLang="en-US"/>
           </a:p>
@@ -4770,7 +4802,7 @@
           <a:p>
             <a:fld id="{68C9B244-343C-4531-81F5-6EE4B6B9D173}" type="datetime1">
               <a:rPr lang="ko-KR" altLang="en-US" smtClean="0"/>
-              <a:t>2020-02-10</a:t>
+              <a:t>2020-02-11</a:t>
             </a:fld>
             <a:endParaRPr lang="ko-KR" altLang="en-US"/>
           </a:p>
@@ -5003,7 +5035,7 @@
           <a:p>
             <a:fld id="{31103400-27FA-4D61-B0B9-3F1A8B5C5006}" type="datetime1">
               <a:rPr lang="ko-KR" altLang="en-US" smtClean="0"/>
-              <a:t>2020-02-10</a:t>
+              <a:t>2020-02-11</a:t>
             </a:fld>
             <a:endParaRPr lang="ko-KR" altLang="en-US"/>
           </a:p>
@@ -5371,7 +5403,7 @@
           <a:p>
             <a:fld id="{10F34082-45DD-4904-96B5-0C79FAC13806}" type="datetime1">
               <a:rPr lang="ko-KR" altLang="en-US" smtClean="0"/>
-              <a:t>2020-02-10</a:t>
+              <a:t>2020-02-11</a:t>
             </a:fld>
             <a:endParaRPr lang="ko-KR" altLang="en-US"/>
           </a:p>
@@ -5492,7 +5524,7 @@
           <a:p>
             <a:fld id="{1BAA8F34-E616-4AB3-8687-320DA4E177D5}" type="datetime1">
               <a:rPr lang="ko-KR" altLang="en-US" smtClean="0"/>
-              <a:t>2020-02-10</a:t>
+              <a:t>2020-02-11</a:t>
             </a:fld>
             <a:endParaRPr lang="ko-KR" altLang="en-US"/>
           </a:p>
@@ -5591,7 +5623,7 @@
           <a:p>
             <a:fld id="{196D0E64-111E-4035-B499-C5BC1A212A70}" type="datetime1">
               <a:rPr lang="ko-KR" altLang="en-US" smtClean="0"/>
-              <a:t>2020-02-10</a:t>
+              <a:t>2020-02-11</a:t>
             </a:fld>
             <a:endParaRPr lang="ko-KR" altLang="en-US"/>
           </a:p>
@@ -5870,7 +5902,7 @@
           <a:p>
             <a:fld id="{D5EE91AD-36CD-4A4C-BEC1-A287AFEE31A7}" type="datetime1">
               <a:rPr lang="ko-KR" altLang="en-US" smtClean="0"/>
-              <a:t>2020-02-10</a:t>
+              <a:t>2020-02-11</a:t>
             </a:fld>
             <a:endParaRPr lang="ko-KR" altLang="en-US"/>
           </a:p>
@@ -6085,7 +6117,7 @@
           <a:p>
             <a:fld id="{16402353-221A-4326-A5EB-68864CD9DD83}" type="datetime1">
               <a:rPr lang="ko-KR" altLang="en-US" smtClean="0"/>
-              <a:t>2020-02-10</a:t>
+              <a:t>2020-02-11</a:t>
             </a:fld>
             <a:endParaRPr lang="ko-KR" altLang="en-US"/>
           </a:p>
@@ -6513,11 +6545,7 @@
           <a:p>
             <a:r>
               <a:rPr lang="en-US" altLang="ko-KR" dirty="0" smtClean="0"/>
-              <a:t>Level</a:t>
-            </a:r>
-            <a:r>
-              <a:rPr lang="en-US" altLang="ko-KR" dirty="0" smtClean="0"/>
-              <a:t> </a:t>
+              <a:t>Level </a:t>
             </a:r>
             <a:r>
               <a:rPr lang="en-US" altLang="ko-KR" dirty="0"/>
@@ -6621,7 +6649,7 @@
           <a:p>
             <a:fld id="{65C2ACD4-451B-4063-8127-CBF3A2444CC7}" type="datetime1">
               <a:rPr lang="ko-KR" altLang="en-US" smtClean="0"/>
-              <a:t>2020-02-10</a:t>
+              <a:t>2020-02-11</a:t>
             </a:fld>
             <a:endParaRPr lang="ko-KR" altLang="en-US"/>
           </a:p>
@@ -6704,7 +6732,7 @@
           <a:p>
             <a:fld id="{3B3A31F0-DC5C-45F6-BF16-81D1F0F2C2F7}" type="datetime1">
               <a:rPr lang="ko-KR" altLang="en-US" smtClean="0"/>
-              <a:t>2020-02-10</a:t>
+              <a:t>2020-02-11</a:t>
             </a:fld>
             <a:endParaRPr lang="ko-KR" altLang="en-US"/>
           </a:p>
@@ -7141,7 +7169,7 @@
           <a:p>
             <a:fld id="{3B3A31F0-DC5C-45F6-BF16-81D1F0F2C2F7}" type="datetime1">
               <a:rPr lang="ko-KR" altLang="en-US" smtClean="0"/>
-              <a:t>2020-02-10</a:t>
+              <a:t>2020-02-11</a:t>
             </a:fld>
             <a:endParaRPr lang="ko-KR" altLang="en-US"/>
           </a:p>
@@ -7323,7 +7351,7 @@
           <a:p>
             <a:fld id="{3B3A31F0-DC5C-45F6-BF16-81D1F0F2C2F7}" type="datetime1">
               <a:rPr lang="ko-KR" altLang="en-US" smtClean="0"/>
-              <a:t>2020-02-10</a:t>
+              <a:t>2020-02-11</a:t>
             </a:fld>
             <a:endParaRPr lang="ko-KR" altLang="en-US"/>
           </a:p>
@@ -7345,10 +7373,18 @@
           <a:lstStyle/>
           <a:p>
             <a:r>
-              <a:rPr lang="en-US" altLang="ko-KR" smtClean="0"/>
-              <a:t>Copyright(c)2020. All rights reserved by Kyungho.lee.</a:t>
-            </a:r>
-            <a:endParaRPr lang="ko-KR" altLang="en-US"/>
+              <a:rPr lang="en-US" altLang="ko-KR" dirty="0" smtClean="0"/>
+              <a:t>Copyright(c)2020. All rights reserved by </a:t>
+            </a:r>
+            <a:r>
+              <a:rPr lang="en-US" altLang="ko-KR" dirty="0" err="1" smtClean="0"/>
+              <a:t>Kyungho.lee</a:t>
+            </a:r>
+            <a:r>
+              <a:rPr lang="en-US" altLang="ko-KR" dirty="0" smtClean="0"/>
+              <a:t>.</a:t>
+            </a:r>
+            <a:endParaRPr lang="ko-KR" altLang="en-US" dirty="0"/>
           </a:p>
         </p:txBody>
       </p:sp>
@@ -7791,21 +7827,21 @@
                 <a:gridCol w="2014728">
                   <a:extLst>
                     <a:ext uri="{9D8B030D-6E8A-4147-A177-3AD203B41FA5}">
-                      <a16:colId xmlns:a16="http://schemas.microsoft.com/office/drawing/2014/main" xmlns="" val="20000"/>
+                      <a16:colId xmlns="" xmlns:a16="http://schemas.microsoft.com/office/drawing/2014/main" val="20000"/>
                     </a:ext>
                   </a:extLst>
                 </a:gridCol>
                 <a:gridCol w="4995672">
                   <a:extLst>
                     <a:ext uri="{9D8B030D-6E8A-4147-A177-3AD203B41FA5}">
-                      <a16:colId xmlns:a16="http://schemas.microsoft.com/office/drawing/2014/main" xmlns="" val="20001"/>
+                      <a16:colId xmlns="" xmlns:a16="http://schemas.microsoft.com/office/drawing/2014/main" val="20001"/>
                     </a:ext>
                   </a:extLst>
                 </a:gridCol>
                 <a:gridCol w="3505200">
                   <a:extLst>
                     <a:ext uri="{9D8B030D-6E8A-4147-A177-3AD203B41FA5}">
-                      <a16:colId xmlns:a16="http://schemas.microsoft.com/office/drawing/2014/main" xmlns="" val="20002"/>
+                      <a16:colId xmlns="" xmlns:a16="http://schemas.microsoft.com/office/drawing/2014/main" val="20002"/>
                     </a:ext>
                   </a:extLst>
                 </a:gridCol>
@@ -7858,7 +7894,7 @@
                 </a:tc>
                 <a:extLst>
                   <a:ext uri="{0D108BD9-81ED-4DB2-BD59-A6C34878D82A}">
-                    <a16:rowId xmlns:a16="http://schemas.microsoft.com/office/drawing/2014/main" xmlns="" val="10000"/>
+                    <a16:rowId xmlns="" xmlns:a16="http://schemas.microsoft.com/office/drawing/2014/main" val="10000"/>
                   </a:ext>
                 </a:extLst>
               </a:tr>
@@ -7908,7 +7944,7 @@
                 </a:tc>
                 <a:extLst>
                   <a:ext uri="{0D108BD9-81ED-4DB2-BD59-A6C34878D82A}">
-                    <a16:rowId xmlns:a16="http://schemas.microsoft.com/office/drawing/2014/main" xmlns="" val="10001"/>
+                    <a16:rowId xmlns="" xmlns:a16="http://schemas.microsoft.com/office/drawing/2014/main" val="10001"/>
                   </a:ext>
                 </a:extLst>
               </a:tr>
@@ -7948,7 +7984,7 @@
                 </a:tc>
                 <a:extLst>
                   <a:ext uri="{0D108BD9-81ED-4DB2-BD59-A6C34878D82A}">
-                    <a16:rowId xmlns:a16="http://schemas.microsoft.com/office/drawing/2014/main" xmlns="" val="10002"/>
+                    <a16:rowId xmlns="" xmlns:a16="http://schemas.microsoft.com/office/drawing/2014/main" val="10002"/>
                   </a:ext>
                 </a:extLst>
               </a:tr>
@@ -7988,7 +8024,7 @@
                 </a:tc>
                 <a:extLst>
                   <a:ext uri="{0D108BD9-81ED-4DB2-BD59-A6C34878D82A}">
-                    <a16:rowId xmlns:a16="http://schemas.microsoft.com/office/drawing/2014/main" xmlns="" val="10003"/>
+                    <a16:rowId xmlns="" xmlns:a16="http://schemas.microsoft.com/office/drawing/2014/main" val="10003"/>
                   </a:ext>
                 </a:extLst>
               </a:tr>
@@ -8028,7 +8064,7 @@
                 </a:tc>
                 <a:extLst>
                   <a:ext uri="{0D108BD9-81ED-4DB2-BD59-A6C34878D82A}">
-                    <a16:rowId xmlns:a16="http://schemas.microsoft.com/office/drawing/2014/main" xmlns="" val="10004"/>
+                    <a16:rowId xmlns="" xmlns:a16="http://schemas.microsoft.com/office/drawing/2014/main" val="10004"/>
                   </a:ext>
                 </a:extLst>
               </a:tr>
@@ -8053,7 +8089,7 @@
           <a:p>
             <a:fld id="{3B3A31F0-DC5C-45F6-BF16-81D1F0F2C2F7}" type="datetime1">
               <a:rPr lang="ko-KR" altLang="en-US" smtClean="0"/>
-              <a:t>2020-02-10</a:t>
+              <a:t>2020-02-11</a:t>
             </a:fld>
             <a:endParaRPr lang="ko-KR" altLang="en-US"/>
           </a:p>
@@ -8186,11 +8222,7 @@
           <a:p>
             <a:r>
               <a:rPr lang="ko-KR" altLang="en-US" dirty="0" smtClean="0"/>
-              <a:t>공간</a:t>
-            </a:r>
-            <a:r>
-              <a:rPr lang="ko-KR" altLang="en-US" dirty="0" smtClean="0"/>
-              <a:t> 설정</a:t>
+              <a:t>공간 설정</a:t>
             </a:r>
             <a:r>
               <a:rPr lang="en-US" altLang="ko-KR" dirty="0" smtClean="0"/>
@@ -8206,7 +8238,6 @@
               <a:rPr lang="en-US" altLang="ko-KR" dirty="0" smtClean="0"/>
               <a:t>()</a:t>
             </a:r>
-            <a:endParaRPr lang="en-US" altLang="ko-KR" dirty="0" smtClean="0"/>
           </a:p>
           <a:p>
             <a:r>
@@ -8233,11 +8264,7 @@
             </a:r>
             <a:r>
               <a:rPr lang="en-US" altLang="ko-KR" dirty="0" smtClean="0"/>
-              <a:t>(</a:t>
-            </a:r>
-            <a:r>
-              <a:rPr lang="en-US" altLang="ko-KR" dirty="0" smtClean="0"/>
-              <a:t>display)</a:t>
+              <a:t>(display)</a:t>
             </a:r>
             <a:endParaRPr lang="en-US" altLang="ko-KR" dirty="0"/>
           </a:p>
@@ -8320,7 +8347,7 @@
           <a:p>
             <a:fld id="{069378C6-BE6B-4503-80E5-96D1D44FB257}" type="datetime1">
               <a:rPr lang="ko-KR" altLang="en-US" smtClean="0"/>
-              <a:t>2020-02-10</a:t>
+              <a:t>2020-02-11</a:t>
             </a:fld>
             <a:endParaRPr lang="ko-KR" altLang="en-US"/>
           </a:p>
@@ -8475,7 +8502,7 @@
           <a:p>
             <a:fld id="{3B3A31F0-DC5C-45F6-BF16-81D1F0F2C2F7}" type="datetime1">
               <a:rPr lang="ko-KR" altLang="en-US" smtClean="0"/>
-              <a:t>2020-02-10</a:t>
+              <a:t>2020-02-11</a:t>
             </a:fld>
             <a:endParaRPr lang="ko-KR" altLang="en-US"/>
           </a:p>
@@ -8599,7 +8626,7 @@
           <p:cNvPr id="2" name="제목 1">
             <a:extLst>
               <a:ext uri="{FF2B5EF4-FFF2-40B4-BE49-F238E27FC236}">
-                <a16:creationId xmlns:a16="http://schemas.microsoft.com/office/drawing/2014/main" xmlns="" id="{3573144C-A3F8-403B-9600-A86445E0F7C0}"/>
+                <a16:creationId xmlns="" xmlns:a16="http://schemas.microsoft.com/office/drawing/2014/main" id="{3573144C-A3F8-403B-9600-A86445E0F7C0}"/>
               </a:ext>
             </a:extLst>
           </p:cNvPr>
@@ -8653,7 +8680,7 @@
           <p:cNvPr id="3" name="내용 개체 틀 2">
             <a:extLst>
               <a:ext uri="{FF2B5EF4-FFF2-40B4-BE49-F238E27FC236}">
-                <a16:creationId xmlns:a16="http://schemas.microsoft.com/office/drawing/2014/main" xmlns="" id="{083241AF-E76D-4C3E-8599-7A363237765D}"/>
+                <a16:creationId xmlns="" xmlns:a16="http://schemas.microsoft.com/office/drawing/2014/main" id="{083241AF-E76D-4C3E-8599-7A363237765D}"/>
               </a:ext>
             </a:extLst>
           </p:cNvPr>
@@ -8715,7 +8742,7 @@
           <p:cNvPr id="4" name="날짜 개체 틀 3">
             <a:extLst>
               <a:ext uri="{FF2B5EF4-FFF2-40B4-BE49-F238E27FC236}">
-                <a16:creationId xmlns:a16="http://schemas.microsoft.com/office/drawing/2014/main" xmlns="" id="{583E3277-FD8A-415A-A07C-0DA16935F005}"/>
+                <a16:creationId xmlns="" xmlns:a16="http://schemas.microsoft.com/office/drawing/2014/main" id="{583E3277-FD8A-415A-A07C-0DA16935F005}"/>
               </a:ext>
             </a:extLst>
           </p:cNvPr>
@@ -8733,7 +8760,7 @@
           <a:p>
             <a:fld id="{3B3A31F0-DC5C-45F6-BF16-81D1F0F2C2F7}" type="datetime1">
               <a:rPr lang="ko-KR" altLang="en-US" smtClean="0"/>
-              <a:t>2020-02-10</a:t>
+              <a:t>2020-02-11</a:t>
             </a:fld>
             <a:endParaRPr lang="ko-KR" altLang="en-US"/>
           </a:p>
@@ -8744,7 +8771,7 @@
           <p:cNvPr id="5" name="바닥글 개체 틀 4">
             <a:extLst>
               <a:ext uri="{FF2B5EF4-FFF2-40B4-BE49-F238E27FC236}">
-                <a16:creationId xmlns:a16="http://schemas.microsoft.com/office/drawing/2014/main" xmlns="" id="{3F033999-3D3F-40E1-BE62-5A7C907867DA}"/>
+                <a16:creationId xmlns="" xmlns:a16="http://schemas.microsoft.com/office/drawing/2014/main" id="{3F033999-3D3F-40E1-BE62-5A7C907867DA}"/>
               </a:ext>
             </a:extLst>
           </p:cNvPr>
@@ -8773,7 +8800,7 @@
           <p:cNvPr id="6" name="슬라이드 번호 개체 틀 5">
             <a:extLst>
               <a:ext uri="{FF2B5EF4-FFF2-40B4-BE49-F238E27FC236}">
-                <a16:creationId xmlns:a16="http://schemas.microsoft.com/office/drawing/2014/main" xmlns="" id="{096E6AE8-1676-4C6B-9A97-EFDDEB7410A4}"/>
+                <a16:creationId xmlns="" xmlns:a16="http://schemas.microsoft.com/office/drawing/2014/main" id="{096E6AE8-1676-4C6B-9A97-EFDDEB7410A4}"/>
               </a:ext>
             </a:extLst>
           </p:cNvPr>
@@ -8802,7 +8829,7 @@
           <p:cNvPr id="7170" name="Picture 2" descr=" ">
             <a:extLst>
               <a:ext uri="{FF2B5EF4-FFF2-40B4-BE49-F238E27FC236}">
-                <a16:creationId xmlns:a16="http://schemas.microsoft.com/office/drawing/2014/main" xmlns="" id="{4CF689B8-6253-42AA-BA34-938C5FBD7CFA}"/>
+                <a16:creationId xmlns="" xmlns:a16="http://schemas.microsoft.com/office/drawing/2014/main" id="{4CF689B8-6253-42AA-BA34-938C5FBD7CFA}"/>
               </a:ext>
             </a:extLst>
           </p:cNvPr>
@@ -8849,7 +8876,7 @@
           <p:cNvPr id="7172" name="Picture 4" descr="Biopunk - Imgur">
             <a:extLst>
               <a:ext uri="{FF2B5EF4-FFF2-40B4-BE49-F238E27FC236}">
-                <a16:creationId xmlns:a16="http://schemas.microsoft.com/office/drawing/2014/main" xmlns="" id="{ABFF2662-5AE7-4D15-9786-B0C518691FAB}"/>
+                <a16:creationId xmlns="" xmlns:a16="http://schemas.microsoft.com/office/drawing/2014/main" id="{ABFF2662-5AE7-4D15-9786-B0C518691FAB}"/>
               </a:ext>
             </a:extLst>
           </p:cNvPr>
@@ -8896,7 +8923,7 @@
           <p:cNvPr id="7174" name="Picture 6" descr="Fight by Patrick Faulwetter | 2D | CGSociety">
             <a:extLst>
               <a:ext uri="{FF2B5EF4-FFF2-40B4-BE49-F238E27FC236}">
-                <a16:creationId xmlns:a16="http://schemas.microsoft.com/office/drawing/2014/main" xmlns="" id="{DA4CE283-00DB-4A23-9A2A-872096F79AEF}"/>
+                <a16:creationId xmlns="" xmlns:a16="http://schemas.microsoft.com/office/drawing/2014/main" id="{DA4CE283-00DB-4A23-9A2A-872096F79AEF}"/>
               </a:ext>
             </a:extLst>
           </p:cNvPr>
@@ -9017,7 +9044,7 @@
           <a:p>
             <a:fld id="{3B3A31F0-DC5C-45F6-BF16-81D1F0F2C2F7}" type="datetime1">
               <a:rPr lang="ko-KR" altLang="en-US" smtClean="0"/>
-              <a:t>2020-02-10</a:t>
+              <a:t>2020-02-11</a:t>
             </a:fld>
             <a:endParaRPr lang="ko-KR" altLang="en-US"/>
           </a:p>
@@ -9619,11 +9646,7 @@
             </a:r>
             <a:r>
               <a:rPr lang="ko-KR" altLang="en-US" sz="2000" b="0" dirty="0" smtClean="0"/>
-              <a:t> </a:t>
-            </a:r>
-            <a:r>
-              <a:rPr lang="ko-KR" altLang="en-US" sz="2000" b="0" dirty="0" smtClean="0"/>
-              <a:t>숨어있는 위치까지 </a:t>
+              <a:t> 숨어있는 위치까지 </a:t>
             </a:r>
             <a:r>
               <a:rPr lang="ko-KR" altLang="en-US" sz="2000" b="0" dirty="0" err="1" smtClean="0"/>
@@ -9795,7 +9818,6 @@
               <a:rPr lang="en-US" altLang="ko-KR" sz="2000" b="0" dirty="0" smtClean="0"/>
               <a:t>…</a:t>
             </a:r>
-            <a:endParaRPr lang="en-US" altLang="ko-KR" sz="2000" b="0" dirty="0" smtClean="0"/>
           </a:p>
         </p:txBody>
       </p:sp>
@@ -9816,7 +9838,7 @@
           <a:p>
             <a:fld id="{3B3A31F0-DC5C-45F6-BF16-81D1F0F2C2F7}" type="datetime1">
               <a:rPr lang="ko-KR" altLang="en-US" smtClean="0"/>
-              <a:t>2020-02-10</a:t>
+              <a:t>2020-02-11</a:t>
             </a:fld>
             <a:endParaRPr lang="ko-KR" altLang="en-US"/>
           </a:p>
@@ -9940,7 +9962,7 @@
         </p:nvSpPr>
         <p:spPr>
           <a:xfrm>
-            <a:off x="838200" y="5641721"/>
+            <a:off x="838200" y="5779988"/>
             <a:ext cx="10515600" cy="551815"/>
           </a:xfrm>
         </p:spPr>
@@ -9969,7 +9991,7 @@
           <a:p>
             <a:fld id="{3B3A31F0-DC5C-45F6-BF16-81D1F0F2C2F7}" type="datetime1">
               <a:rPr lang="ko-KR" altLang="en-US" smtClean="0"/>
-              <a:t>2020-02-10</a:t>
+              <a:t>2020-02-11</a:t>
             </a:fld>
             <a:endParaRPr lang="ko-KR" altLang="en-US"/>
           </a:p>
@@ -10429,6 +10451,124 @@
               <a:t>9</a:t>
             </a:r>
             <a:endParaRPr lang="ko-KR" altLang="en-US" dirty="0"/>
+          </a:p>
+        </p:txBody>
+      </p:sp>
+      <p:sp>
+        <p:nvSpPr>
+          <p:cNvPr id="7" name="TextBox 6"/>
+          <p:cNvSpPr txBox="1"/>
+          <p:nvPr/>
+        </p:nvSpPr>
+        <p:spPr>
+          <a:xfrm>
+            <a:off x="838200" y="2871720"/>
+            <a:ext cx="1182624" cy="400110"/>
+          </a:xfrm>
+          <a:prstGeom prst="rect">
+            <a:avLst/>
+          </a:prstGeom>
+          <a:noFill/>
+          <a:ln>
+            <a:solidFill>
+              <a:schemeClr val="accent6">
+                <a:lumMod val="75000"/>
+              </a:schemeClr>
+            </a:solidFill>
+          </a:ln>
+        </p:spPr>
+        <p:txBody>
+          <a:bodyPr wrap="square" rtlCol="0">
+            <a:spAutoFit/>
+          </a:bodyPr>
+          <a:lstStyle/>
+          <a:p>
+            <a:r>
+              <a:rPr lang="ko-KR" altLang="en-US" sz="1000" dirty="0" smtClean="0"/>
+              <a:t>무기사용 및 캐릭터컨트롤</a:t>
+            </a:r>
+            <a:endParaRPr lang="ko-KR" altLang="en-US" sz="1000" dirty="0"/>
+          </a:p>
+        </p:txBody>
+      </p:sp>
+      <p:sp>
+        <p:nvSpPr>
+          <p:cNvPr id="19" name="TextBox 18"/>
+          <p:cNvSpPr txBox="1"/>
+          <p:nvPr/>
+        </p:nvSpPr>
+        <p:spPr>
+          <a:xfrm>
+            <a:off x="2164080" y="2871720"/>
+            <a:ext cx="1182624" cy="400110"/>
+          </a:xfrm>
+          <a:prstGeom prst="rect">
+            <a:avLst/>
+          </a:prstGeom>
+          <a:noFill/>
+          <a:ln>
+            <a:solidFill>
+              <a:schemeClr val="accent6">
+                <a:lumMod val="75000"/>
+              </a:schemeClr>
+            </a:solidFill>
+          </a:ln>
+        </p:spPr>
+        <p:txBody>
+          <a:bodyPr wrap="square" rtlCol="0">
+            <a:spAutoFit/>
+          </a:bodyPr>
+          <a:lstStyle/>
+          <a:p>
+            <a:r>
+              <a:rPr lang="ko-KR" altLang="en-US" sz="1000" dirty="0" err="1" smtClean="0"/>
+              <a:t>인터렉션</a:t>
+            </a:r>
+            <a:endParaRPr lang="en-US" altLang="ko-KR" sz="1000" dirty="0" smtClean="0"/>
+          </a:p>
+          <a:p>
+            <a:r>
+              <a:rPr lang="ko-KR" altLang="en-US" sz="1000" dirty="0" smtClean="0"/>
+              <a:t>플레이</a:t>
+            </a:r>
+            <a:endParaRPr lang="ko-KR" altLang="en-US" sz="1000" dirty="0"/>
+          </a:p>
+        </p:txBody>
+      </p:sp>
+      <p:sp>
+        <p:nvSpPr>
+          <p:cNvPr id="20" name="TextBox 19"/>
+          <p:cNvSpPr txBox="1"/>
+          <p:nvPr/>
+        </p:nvSpPr>
+        <p:spPr>
+          <a:xfrm>
+            <a:off x="3447288" y="2871720"/>
+            <a:ext cx="1182624" cy="246221"/>
+          </a:xfrm>
+          <a:prstGeom prst="rect">
+            <a:avLst/>
+          </a:prstGeom>
+          <a:noFill/>
+          <a:ln>
+            <a:solidFill>
+              <a:schemeClr val="accent6">
+                <a:lumMod val="75000"/>
+              </a:schemeClr>
+            </a:solidFill>
+          </a:ln>
+        </p:spPr>
+        <p:txBody>
+          <a:bodyPr wrap="square" rtlCol="0">
+            <a:spAutoFit/>
+          </a:bodyPr>
+          <a:lstStyle/>
+          <a:p>
+            <a:r>
+              <a:rPr lang="ko-KR" altLang="en-US" sz="1000" dirty="0" smtClean="0"/>
+              <a:t>전투와 </a:t>
+            </a:r>
+            <a:endParaRPr lang="ko-KR" altLang="en-US" sz="1000" dirty="0"/>
           </a:p>
         </p:txBody>
       </p:sp>
@@ -10471,6 +10611,50 @@
       </p:grpSpPr>
       <p:sp>
         <p:nvSpPr>
+          <p:cNvPr id="44" name="직사각형 43"/>
+          <p:cNvSpPr/>
+          <p:nvPr/>
+        </p:nvSpPr>
+        <p:spPr>
+          <a:xfrm>
+            <a:off x="3491327" y="4335194"/>
+            <a:ext cx="828928" cy="554180"/>
+          </a:xfrm>
+          <a:prstGeom prst="rect">
+            <a:avLst/>
+          </a:prstGeom>
+        </p:spPr>
+        <p:style>
+          <a:lnRef idx="2">
+            <a:schemeClr val="accent1">
+              <a:shade val="50000"/>
+            </a:schemeClr>
+          </a:lnRef>
+          <a:fillRef idx="1">
+            <a:schemeClr val="accent1"/>
+          </a:fillRef>
+          <a:effectRef idx="0">
+            <a:schemeClr val="accent1"/>
+          </a:effectRef>
+          <a:fontRef idx="minor">
+            <a:schemeClr val="lt1"/>
+          </a:fontRef>
+        </p:style>
+        <p:txBody>
+          <a:bodyPr rtlCol="0" anchor="ctr"/>
+          <a:lstStyle/>
+          <a:p>
+            <a:pPr algn="ctr"/>
+            <a:r>
+              <a:rPr lang="en-US" altLang="ko-KR" b="1" dirty="0" smtClean="0"/>
+              <a:t>#7</a:t>
+            </a:r>
+            <a:endParaRPr lang="ko-KR" altLang="en-US" b="1" dirty="0"/>
+          </a:p>
+        </p:txBody>
+      </p:sp>
+      <p:sp>
+        <p:nvSpPr>
           <p:cNvPr id="2" name="제목 1"/>
           <p:cNvSpPr>
             <a:spLocks noGrp="1"/>
@@ -10485,154 +10669,18 @@
           <a:lstStyle/>
           <a:p>
             <a:r>
-              <a:rPr lang="ko-KR" altLang="en-US" dirty="0" err="1" smtClean="0"/>
-              <a:t>맵</a:t>
+              <a:rPr lang="en-US" altLang="ko-KR" dirty="0" smtClean="0"/>
+              <a:t>BH </a:t>
             </a:r>
             <a:r>
               <a:rPr lang="ko-KR" altLang="en-US" dirty="0" smtClean="0"/>
-              <a:t> 구성</a:t>
+              <a:t>연구소 </a:t>
             </a:r>
             <a:r>
               <a:rPr lang="en-US" altLang="ko-KR" dirty="0" smtClean="0"/>
-              <a:t>()</a:t>
+              <a:t>Level</a:t>
             </a:r>
             <a:endParaRPr lang="ko-KR" altLang="en-US" dirty="0"/>
-          </a:p>
-        </p:txBody>
-      </p:sp>
-      <p:sp>
-        <p:nvSpPr>
-          <p:cNvPr id="3" name="내용 개체 틀 2"/>
-          <p:cNvSpPr>
-            <a:spLocks noGrp="1"/>
-          </p:cNvSpPr>
-          <p:nvPr>
-            <p:ph idx="1"/>
-          </p:nvPr>
-        </p:nvSpPr>
-        <p:spPr/>
-        <p:txBody>
-          <a:bodyPr>
-            <a:noAutofit/>
-          </a:bodyPr>
-          <a:lstStyle/>
-          <a:p>
-            <a:pPr>
-              <a:lnSpc>
-                <a:spcPct val="100000"/>
-              </a:lnSpc>
-            </a:pPr>
-            <a:r>
-              <a:rPr lang="ko-KR" altLang="en-US" sz="1800" b="0" dirty="0" err="1" smtClean="0"/>
-              <a:t>맵</a:t>
-            </a:r>
-            <a:r>
-              <a:rPr lang="en-US" altLang="ko-KR" sz="1800" b="0" dirty="0" smtClean="0"/>
-              <a:t>1 : </a:t>
-            </a:r>
-            <a:r>
-              <a:rPr lang="ko-KR" altLang="en-US" sz="1800" b="0" dirty="0" smtClean="0"/>
-              <a:t>연구소 입구</a:t>
-            </a:r>
-            <a:endParaRPr lang="en-US" altLang="ko-KR" sz="1800" b="0" dirty="0" smtClean="0"/>
-          </a:p>
-          <a:p>
-            <a:pPr>
-              <a:lnSpc>
-                <a:spcPct val="100000"/>
-              </a:lnSpc>
-            </a:pPr>
-            <a:r>
-              <a:rPr lang="ko-KR" altLang="en-US" sz="1800" b="0" dirty="0" err="1" smtClean="0"/>
-              <a:t>맵</a:t>
-            </a:r>
-            <a:r>
-              <a:rPr lang="en-US" altLang="ko-KR" sz="1800" b="0" dirty="0" smtClean="0"/>
-              <a:t>2 : </a:t>
-            </a:r>
-          </a:p>
-          <a:p>
-            <a:pPr>
-              <a:lnSpc>
-                <a:spcPct val="100000"/>
-              </a:lnSpc>
-            </a:pPr>
-            <a:r>
-              <a:rPr lang="ko-KR" altLang="en-US" sz="1800" b="0" dirty="0" err="1" smtClean="0"/>
-              <a:t>맵</a:t>
-            </a:r>
-            <a:r>
-              <a:rPr lang="en-US" altLang="ko-KR" sz="1800" b="0" dirty="0" smtClean="0"/>
-              <a:t>3 </a:t>
-            </a:r>
-          </a:p>
-          <a:p>
-            <a:pPr>
-              <a:lnSpc>
-                <a:spcPct val="100000"/>
-              </a:lnSpc>
-            </a:pPr>
-            <a:r>
-              <a:rPr lang="ko-KR" altLang="en-US" sz="1800" b="0" dirty="0" err="1" smtClean="0"/>
-              <a:t>맵</a:t>
-            </a:r>
-            <a:r>
-              <a:rPr lang="en-US" altLang="ko-KR" sz="1800" b="0" dirty="0" smtClean="0"/>
-              <a:t>4</a:t>
-            </a:r>
-          </a:p>
-          <a:p>
-            <a:pPr>
-              <a:lnSpc>
-                <a:spcPct val="100000"/>
-              </a:lnSpc>
-            </a:pPr>
-            <a:r>
-              <a:rPr lang="ko-KR" altLang="en-US" sz="1800" b="0" dirty="0" err="1" smtClean="0"/>
-              <a:t>맵</a:t>
-            </a:r>
-            <a:r>
-              <a:rPr lang="en-US" altLang="ko-KR" sz="1800" b="0" dirty="0" smtClean="0"/>
-              <a:t>5</a:t>
-            </a:r>
-          </a:p>
-          <a:p>
-            <a:pPr>
-              <a:lnSpc>
-                <a:spcPct val="100000"/>
-              </a:lnSpc>
-            </a:pPr>
-            <a:r>
-              <a:rPr lang="ko-KR" altLang="en-US" sz="1800" b="0" dirty="0" err="1" smtClean="0"/>
-              <a:t>맵</a:t>
-            </a:r>
-            <a:r>
-              <a:rPr lang="en-US" altLang="ko-KR" sz="1800" b="0" dirty="0" smtClean="0"/>
-              <a:t>6</a:t>
-            </a:r>
-          </a:p>
-          <a:p>
-            <a:pPr>
-              <a:lnSpc>
-                <a:spcPct val="100000"/>
-              </a:lnSpc>
-            </a:pPr>
-            <a:r>
-              <a:rPr lang="ko-KR" altLang="en-US" sz="1800" b="0" dirty="0" err="1" smtClean="0"/>
-              <a:t>맵</a:t>
-            </a:r>
-            <a:r>
-              <a:rPr lang="en-US" altLang="ko-KR" sz="1800" b="0" dirty="0" smtClean="0"/>
-              <a:t>7</a:t>
-            </a:r>
-          </a:p>
-          <a:p>
-            <a:pPr>
-              <a:lnSpc>
-                <a:spcPct val="100000"/>
-              </a:lnSpc>
-            </a:pPr>
-            <a:endParaRPr lang="en-US" altLang="ko-KR" sz="1800" b="0" dirty="0"/>
           </a:p>
         </p:txBody>
       </p:sp>
@@ -10653,7 +10701,7 @@
           <a:p>
             <a:fld id="{3B3A31F0-DC5C-45F6-BF16-81D1F0F2C2F7}" type="datetime1">
               <a:rPr lang="ko-KR" altLang="en-US" smtClean="0"/>
-              <a:t>2020-02-10</a:t>
+              <a:t>2020-02-11</a:t>
             </a:fld>
             <a:endParaRPr lang="ko-KR" altLang="en-US"/>
           </a:p>
@@ -10675,18 +10723,10 @@
           <a:lstStyle/>
           <a:p>
             <a:r>
-              <a:rPr lang="en-US" altLang="ko-KR" dirty="0" smtClean="0"/>
-              <a:t>Copyright(c)2020. All rights reserved by </a:t>
-            </a:r>
-            <a:r>
-              <a:rPr lang="en-US" altLang="ko-KR" dirty="0" err="1" smtClean="0"/>
-              <a:t>Kyungho.lee</a:t>
-            </a:r>
-            <a:r>
-              <a:rPr lang="en-US" altLang="ko-KR" dirty="0" smtClean="0"/>
-              <a:t>.</a:t>
-            </a:r>
-            <a:endParaRPr lang="ko-KR" altLang="en-US" dirty="0"/>
+              <a:rPr lang="en-US" altLang="ko-KR" smtClean="0"/>
+              <a:t>Copyright(c)2020. All rights reserved by Kyungho.lee.</a:t>
+            </a:r>
+            <a:endParaRPr lang="ko-KR" altLang="en-US"/>
           </a:p>
         </p:txBody>
       </p:sp>
@@ -10713,23 +10753,1208 @@
           </a:p>
         </p:txBody>
       </p:sp>
+      <p:sp>
+        <p:nvSpPr>
+          <p:cNvPr id="9" name="직사각형 8"/>
+          <p:cNvSpPr/>
+          <p:nvPr/>
+        </p:nvSpPr>
+        <p:spPr>
+          <a:xfrm>
+            <a:off x="2209800" y="5038393"/>
+            <a:ext cx="828928" cy="554180"/>
+          </a:xfrm>
+          <a:prstGeom prst="rect">
+            <a:avLst/>
+          </a:prstGeom>
+        </p:spPr>
+        <p:style>
+          <a:lnRef idx="2">
+            <a:schemeClr val="accent1">
+              <a:shade val="50000"/>
+            </a:schemeClr>
+          </a:lnRef>
+          <a:fillRef idx="1">
+            <a:schemeClr val="accent1"/>
+          </a:fillRef>
+          <a:effectRef idx="0">
+            <a:schemeClr val="accent1"/>
+          </a:effectRef>
+          <a:fontRef idx="minor">
+            <a:schemeClr val="lt1"/>
+          </a:fontRef>
+        </p:style>
+        <p:txBody>
+          <a:bodyPr rtlCol="0" anchor="ctr"/>
+          <a:lstStyle/>
+          <a:p>
+            <a:pPr algn="ctr"/>
+            <a:r>
+              <a:rPr lang="en-US" altLang="ko-KR" b="1" dirty="0" smtClean="0"/>
+              <a:t>S</a:t>
+            </a:r>
+            <a:endParaRPr lang="ko-KR" altLang="en-US" b="1" dirty="0"/>
+          </a:p>
+        </p:txBody>
+      </p:sp>
+      <p:sp>
+        <p:nvSpPr>
+          <p:cNvPr id="10" name="직사각형 9"/>
+          <p:cNvSpPr/>
+          <p:nvPr/>
+        </p:nvSpPr>
+        <p:spPr>
+          <a:xfrm>
+            <a:off x="2209800" y="4186175"/>
+            <a:ext cx="828928" cy="554180"/>
+          </a:xfrm>
+          <a:prstGeom prst="rect">
+            <a:avLst/>
+          </a:prstGeom>
+        </p:spPr>
+        <p:style>
+          <a:lnRef idx="2">
+            <a:schemeClr val="accent1">
+              <a:shade val="50000"/>
+            </a:schemeClr>
+          </a:lnRef>
+          <a:fillRef idx="1">
+            <a:schemeClr val="accent1"/>
+          </a:fillRef>
+          <a:effectRef idx="0">
+            <a:schemeClr val="accent1"/>
+          </a:effectRef>
+          <a:fontRef idx="minor">
+            <a:schemeClr val="lt1"/>
+          </a:fontRef>
+        </p:style>
+        <p:txBody>
+          <a:bodyPr rtlCol="0" anchor="ctr"/>
+          <a:lstStyle/>
+          <a:p>
+            <a:pPr algn="ctr"/>
+            <a:r>
+              <a:rPr lang="en-US" altLang="ko-KR" b="1" dirty="0" smtClean="0"/>
+              <a:t>#2</a:t>
+            </a:r>
+            <a:endParaRPr lang="ko-KR" altLang="en-US" b="1" dirty="0"/>
+          </a:p>
+        </p:txBody>
+      </p:sp>
+      <p:sp>
+        <p:nvSpPr>
+          <p:cNvPr id="11" name="직사각형 10"/>
+          <p:cNvSpPr/>
+          <p:nvPr/>
+        </p:nvSpPr>
+        <p:spPr>
+          <a:xfrm>
+            <a:off x="3429000" y="4216974"/>
+            <a:ext cx="828928" cy="554180"/>
+          </a:xfrm>
+          <a:prstGeom prst="rect">
+            <a:avLst/>
+          </a:prstGeom>
+        </p:spPr>
+        <p:style>
+          <a:lnRef idx="2">
+            <a:schemeClr val="accent1">
+              <a:shade val="50000"/>
+            </a:schemeClr>
+          </a:lnRef>
+          <a:fillRef idx="1">
+            <a:schemeClr val="accent1"/>
+          </a:fillRef>
+          <a:effectRef idx="0">
+            <a:schemeClr val="accent1"/>
+          </a:effectRef>
+          <a:fontRef idx="minor">
+            <a:schemeClr val="lt1"/>
+          </a:fontRef>
+        </p:style>
+        <p:txBody>
+          <a:bodyPr rtlCol="0" anchor="ctr"/>
+          <a:lstStyle/>
+          <a:p>
+            <a:pPr algn="ctr"/>
+            <a:r>
+              <a:rPr lang="en-US" altLang="ko-KR" b="1" dirty="0" smtClean="0"/>
+              <a:t>#7</a:t>
+            </a:r>
+            <a:endParaRPr lang="ko-KR" altLang="en-US" b="1" dirty="0"/>
+          </a:p>
+        </p:txBody>
+      </p:sp>
+      <p:sp>
+        <p:nvSpPr>
+          <p:cNvPr id="12" name="직사각형 11"/>
+          <p:cNvSpPr/>
+          <p:nvPr/>
+        </p:nvSpPr>
+        <p:spPr>
+          <a:xfrm>
+            <a:off x="3429000" y="3374852"/>
+            <a:ext cx="828928" cy="554180"/>
+          </a:xfrm>
+          <a:prstGeom prst="rect">
+            <a:avLst/>
+          </a:prstGeom>
+        </p:spPr>
+        <p:style>
+          <a:lnRef idx="2">
+            <a:schemeClr val="accent1">
+              <a:shade val="50000"/>
+            </a:schemeClr>
+          </a:lnRef>
+          <a:fillRef idx="1">
+            <a:schemeClr val="accent1"/>
+          </a:fillRef>
+          <a:effectRef idx="0">
+            <a:schemeClr val="accent1"/>
+          </a:effectRef>
+          <a:fontRef idx="minor">
+            <a:schemeClr val="lt1"/>
+          </a:fontRef>
+        </p:style>
+        <p:txBody>
+          <a:bodyPr rtlCol="0" anchor="ctr"/>
+          <a:lstStyle/>
+          <a:p>
+            <a:pPr algn="ctr"/>
+            <a:r>
+              <a:rPr lang="en-US" altLang="ko-KR" b="1" dirty="0" smtClean="0"/>
+              <a:t>#5</a:t>
+            </a:r>
+            <a:endParaRPr lang="ko-KR" altLang="en-US" b="1" dirty="0"/>
+          </a:p>
+        </p:txBody>
+      </p:sp>
+      <p:sp>
+        <p:nvSpPr>
+          <p:cNvPr id="13" name="직사각형 12"/>
+          <p:cNvSpPr/>
+          <p:nvPr/>
+        </p:nvSpPr>
+        <p:spPr>
+          <a:xfrm>
+            <a:off x="2209800" y="3374852"/>
+            <a:ext cx="828928" cy="554180"/>
+          </a:xfrm>
+          <a:prstGeom prst="rect">
+            <a:avLst/>
+          </a:prstGeom>
+        </p:spPr>
+        <p:style>
+          <a:lnRef idx="2">
+            <a:schemeClr val="accent1">
+              <a:shade val="50000"/>
+            </a:schemeClr>
+          </a:lnRef>
+          <a:fillRef idx="1">
+            <a:schemeClr val="accent1"/>
+          </a:fillRef>
+          <a:effectRef idx="0">
+            <a:schemeClr val="accent1"/>
+          </a:effectRef>
+          <a:fontRef idx="minor">
+            <a:schemeClr val="lt1"/>
+          </a:fontRef>
+        </p:style>
+        <p:txBody>
+          <a:bodyPr rtlCol="0" anchor="ctr"/>
+          <a:lstStyle/>
+          <a:p>
+            <a:pPr algn="ctr"/>
+            <a:r>
+              <a:rPr lang="en-US" altLang="ko-KR" b="1" dirty="0" smtClean="0"/>
+              <a:t>#3</a:t>
+            </a:r>
+            <a:endParaRPr lang="ko-KR" altLang="en-US" b="1" dirty="0"/>
+          </a:p>
+        </p:txBody>
+      </p:sp>
+      <p:sp>
+        <p:nvSpPr>
+          <p:cNvPr id="14" name="직사각형 13"/>
+          <p:cNvSpPr/>
+          <p:nvPr/>
+        </p:nvSpPr>
+        <p:spPr>
+          <a:xfrm>
+            <a:off x="990600" y="3374852"/>
+            <a:ext cx="828928" cy="554180"/>
+          </a:xfrm>
+          <a:prstGeom prst="rect">
+            <a:avLst/>
+          </a:prstGeom>
+        </p:spPr>
+        <p:style>
+          <a:lnRef idx="2">
+            <a:schemeClr val="accent1">
+              <a:shade val="50000"/>
+            </a:schemeClr>
+          </a:lnRef>
+          <a:fillRef idx="1">
+            <a:schemeClr val="accent1"/>
+          </a:fillRef>
+          <a:effectRef idx="0">
+            <a:schemeClr val="accent1"/>
+          </a:effectRef>
+          <a:fontRef idx="minor">
+            <a:schemeClr val="lt1"/>
+          </a:fontRef>
+        </p:style>
+        <p:txBody>
+          <a:bodyPr rtlCol="0" anchor="ctr"/>
+          <a:lstStyle/>
+          <a:p>
+            <a:pPr algn="ctr"/>
+            <a:r>
+              <a:rPr lang="en-US" altLang="ko-KR" b="1" dirty="0" smtClean="0"/>
+              <a:t>#4</a:t>
+            </a:r>
+            <a:endParaRPr lang="ko-KR" altLang="en-US" b="1" dirty="0"/>
+          </a:p>
+        </p:txBody>
+      </p:sp>
+      <p:sp>
+        <p:nvSpPr>
+          <p:cNvPr id="15" name="직사각형 14"/>
+          <p:cNvSpPr/>
+          <p:nvPr/>
+        </p:nvSpPr>
+        <p:spPr>
+          <a:xfrm>
+            <a:off x="3427319" y="2570180"/>
+            <a:ext cx="828928" cy="554180"/>
+          </a:xfrm>
+          <a:prstGeom prst="rect">
+            <a:avLst/>
+          </a:prstGeom>
+        </p:spPr>
+        <p:style>
+          <a:lnRef idx="2">
+            <a:schemeClr val="accent1">
+              <a:shade val="50000"/>
+            </a:schemeClr>
+          </a:lnRef>
+          <a:fillRef idx="1">
+            <a:schemeClr val="accent1"/>
+          </a:fillRef>
+          <a:effectRef idx="0">
+            <a:schemeClr val="accent1"/>
+          </a:effectRef>
+          <a:fontRef idx="minor">
+            <a:schemeClr val="lt1"/>
+          </a:fontRef>
+        </p:style>
+        <p:txBody>
+          <a:bodyPr rtlCol="0" anchor="ctr"/>
+          <a:lstStyle/>
+          <a:p>
+            <a:pPr algn="ctr"/>
+            <a:endParaRPr lang="ko-KR" altLang="en-US" b="1" dirty="0"/>
+          </a:p>
+        </p:txBody>
+      </p:sp>
+      <p:sp>
+        <p:nvSpPr>
+          <p:cNvPr id="16" name="직사각형 15"/>
+          <p:cNvSpPr/>
+          <p:nvPr/>
+        </p:nvSpPr>
+        <p:spPr>
+          <a:xfrm>
+            <a:off x="4646518" y="3374852"/>
+            <a:ext cx="828928" cy="554180"/>
+          </a:xfrm>
+          <a:prstGeom prst="rect">
+            <a:avLst/>
+          </a:prstGeom>
+        </p:spPr>
+        <p:style>
+          <a:lnRef idx="2">
+            <a:schemeClr val="accent1">
+              <a:shade val="50000"/>
+            </a:schemeClr>
+          </a:lnRef>
+          <a:fillRef idx="1">
+            <a:schemeClr val="accent1"/>
+          </a:fillRef>
+          <a:effectRef idx="0">
+            <a:schemeClr val="accent1"/>
+          </a:effectRef>
+          <a:fontRef idx="minor">
+            <a:schemeClr val="lt1"/>
+          </a:fontRef>
+        </p:style>
+        <p:txBody>
+          <a:bodyPr rtlCol="0" anchor="ctr"/>
+          <a:lstStyle/>
+          <a:p>
+            <a:pPr algn="ctr"/>
+            <a:r>
+              <a:rPr lang="en-US" altLang="ko-KR" b="1" dirty="0" smtClean="0"/>
+              <a:t>#6</a:t>
+            </a:r>
+            <a:endParaRPr lang="ko-KR" altLang="en-US" b="1" dirty="0"/>
+          </a:p>
+        </p:txBody>
+      </p:sp>
+      <p:sp>
+        <p:nvSpPr>
+          <p:cNvPr id="17" name="직사각형 16"/>
+          <p:cNvSpPr/>
+          <p:nvPr/>
+        </p:nvSpPr>
+        <p:spPr>
+          <a:xfrm>
+            <a:off x="3427319" y="1693468"/>
+            <a:ext cx="828928" cy="554180"/>
+          </a:xfrm>
+          <a:prstGeom prst="rect">
+            <a:avLst/>
+          </a:prstGeom>
+        </p:spPr>
+        <p:style>
+          <a:lnRef idx="2">
+            <a:schemeClr val="accent1">
+              <a:shade val="50000"/>
+            </a:schemeClr>
+          </a:lnRef>
+          <a:fillRef idx="1">
+            <a:schemeClr val="accent1"/>
+          </a:fillRef>
+          <a:effectRef idx="0">
+            <a:schemeClr val="accent1"/>
+          </a:effectRef>
+          <a:fontRef idx="minor">
+            <a:schemeClr val="lt1"/>
+          </a:fontRef>
+        </p:style>
+        <p:txBody>
+          <a:bodyPr rtlCol="0" anchor="ctr"/>
+          <a:lstStyle/>
+          <a:p>
+            <a:pPr algn="ctr"/>
+            <a:r>
+              <a:rPr lang="en-US" altLang="ko-KR" b="1" dirty="0" smtClean="0">
+                <a:solidFill>
+                  <a:srgbClr val="FF0000"/>
+                </a:solidFill>
+              </a:rPr>
+              <a:t>B#9</a:t>
+            </a:r>
+            <a:endParaRPr lang="ko-KR" altLang="en-US" b="1" dirty="0">
+              <a:solidFill>
+                <a:srgbClr val="FF0000"/>
+              </a:solidFill>
+            </a:endParaRPr>
+          </a:p>
+        </p:txBody>
+      </p:sp>
+      <p:sp>
+        <p:nvSpPr>
+          <p:cNvPr id="18" name="직사각형 17"/>
+          <p:cNvSpPr/>
+          <p:nvPr/>
+        </p:nvSpPr>
+        <p:spPr>
+          <a:xfrm>
+            <a:off x="3491327" y="2615622"/>
+            <a:ext cx="828928" cy="554180"/>
+          </a:xfrm>
+          <a:prstGeom prst="rect">
+            <a:avLst/>
+          </a:prstGeom>
+        </p:spPr>
+        <p:style>
+          <a:lnRef idx="2">
+            <a:schemeClr val="accent1">
+              <a:shade val="50000"/>
+            </a:schemeClr>
+          </a:lnRef>
+          <a:fillRef idx="1">
+            <a:schemeClr val="accent1"/>
+          </a:fillRef>
+          <a:effectRef idx="0">
+            <a:schemeClr val="accent1"/>
+          </a:effectRef>
+          <a:fontRef idx="minor">
+            <a:schemeClr val="lt1"/>
+          </a:fontRef>
+        </p:style>
+        <p:txBody>
+          <a:bodyPr rtlCol="0" anchor="ctr"/>
+          <a:lstStyle/>
+          <a:p>
+            <a:pPr algn="ctr"/>
+            <a:endParaRPr lang="ko-KR" altLang="en-US" b="1" dirty="0"/>
+          </a:p>
+        </p:txBody>
+      </p:sp>
+      <p:sp>
+        <p:nvSpPr>
+          <p:cNvPr id="19" name="직사각형 18"/>
+          <p:cNvSpPr/>
+          <p:nvPr/>
+        </p:nvSpPr>
+        <p:spPr>
+          <a:xfrm>
+            <a:off x="3555335" y="2698752"/>
+            <a:ext cx="828928" cy="554180"/>
+          </a:xfrm>
+          <a:prstGeom prst="rect">
+            <a:avLst/>
+          </a:prstGeom>
+        </p:spPr>
+        <p:style>
+          <a:lnRef idx="2">
+            <a:schemeClr val="accent1">
+              <a:shade val="50000"/>
+            </a:schemeClr>
+          </a:lnRef>
+          <a:fillRef idx="1">
+            <a:schemeClr val="accent1"/>
+          </a:fillRef>
+          <a:effectRef idx="0">
+            <a:schemeClr val="accent1"/>
+          </a:effectRef>
+          <a:fontRef idx="minor">
+            <a:schemeClr val="lt1"/>
+          </a:fontRef>
+        </p:style>
+        <p:txBody>
+          <a:bodyPr rtlCol="0" anchor="ctr"/>
+          <a:lstStyle/>
+          <a:p>
+            <a:pPr algn="ctr"/>
+            <a:r>
+              <a:rPr lang="en-US" altLang="ko-KR" b="1" dirty="0" smtClean="0"/>
+              <a:t>#8</a:t>
+            </a:r>
+            <a:endParaRPr lang="ko-KR" altLang="en-US" b="1" dirty="0"/>
+          </a:p>
+        </p:txBody>
+      </p:sp>
+      <p:sp>
+        <p:nvSpPr>
+          <p:cNvPr id="20" name="직사각형 19"/>
+          <p:cNvSpPr/>
+          <p:nvPr/>
+        </p:nvSpPr>
+        <p:spPr>
+          <a:xfrm>
+            <a:off x="2319528" y="5139636"/>
+            <a:ext cx="828928" cy="554180"/>
+          </a:xfrm>
+          <a:prstGeom prst="rect">
+            <a:avLst/>
+          </a:prstGeom>
+        </p:spPr>
+        <p:style>
+          <a:lnRef idx="2">
+            <a:schemeClr val="accent1">
+              <a:shade val="50000"/>
+            </a:schemeClr>
+          </a:lnRef>
+          <a:fillRef idx="1">
+            <a:schemeClr val="accent1"/>
+          </a:fillRef>
+          <a:effectRef idx="0">
+            <a:schemeClr val="accent1"/>
+          </a:effectRef>
+          <a:fontRef idx="minor">
+            <a:schemeClr val="lt1"/>
+          </a:fontRef>
+        </p:style>
+        <p:txBody>
+          <a:bodyPr rtlCol="0" anchor="ctr"/>
+          <a:lstStyle/>
+          <a:p>
+            <a:pPr algn="ctr"/>
+            <a:r>
+              <a:rPr lang="en-US" altLang="ko-KR" b="1" dirty="0" smtClean="0">
+                <a:solidFill>
+                  <a:srgbClr val="FFC000"/>
+                </a:solidFill>
+              </a:rPr>
+              <a:t>S#1</a:t>
+            </a:r>
+            <a:endParaRPr lang="ko-KR" altLang="en-US" b="1" dirty="0">
+              <a:solidFill>
+                <a:srgbClr val="FFC000"/>
+              </a:solidFill>
+            </a:endParaRPr>
+          </a:p>
+        </p:txBody>
+      </p:sp>
+      <p:sp>
+        <p:nvSpPr>
+          <p:cNvPr id="7" name="내용 개체 틀 6"/>
+          <p:cNvSpPr>
+            <a:spLocks noGrp="1"/>
+          </p:cNvSpPr>
+          <p:nvPr>
+            <p:ph idx="1"/>
+          </p:nvPr>
+        </p:nvSpPr>
+        <p:spPr>
+          <a:xfrm>
+            <a:off x="7071360" y="1825625"/>
+            <a:ext cx="4282440" cy="4351338"/>
+          </a:xfrm>
+        </p:spPr>
+        <p:txBody>
+          <a:bodyPr>
+            <a:normAutofit fontScale="62500" lnSpcReduction="20000"/>
+          </a:bodyPr>
+          <a:lstStyle/>
+          <a:p>
+            <a:r>
+              <a:rPr lang="en-US" altLang="ko-KR" dirty="0" smtClean="0"/>
+              <a:t>#1</a:t>
+            </a:r>
+            <a:r>
+              <a:rPr lang="ko-KR" altLang="en-US" dirty="0" smtClean="0"/>
+              <a:t>기지입구</a:t>
+            </a:r>
+            <a:endParaRPr lang="en-US" altLang="ko-KR" dirty="0" smtClean="0"/>
+          </a:p>
+          <a:p>
+            <a:pPr lvl="1"/>
+            <a:r>
+              <a:rPr lang="en-US" altLang="ko-KR" dirty="0" smtClean="0"/>
+              <a:t>1-1 : </a:t>
+            </a:r>
+            <a:r>
+              <a:rPr lang="ko-KR" altLang="en-US" dirty="0" smtClean="0"/>
+              <a:t>무기사용법</a:t>
+            </a:r>
+            <a:endParaRPr lang="en-US" altLang="ko-KR" dirty="0" smtClean="0"/>
+          </a:p>
+          <a:p>
+            <a:r>
+              <a:rPr lang="en-US" altLang="ko-KR" dirty="0" smtClean="0"/>
+              <a:t>#2</a:t>
+            </a:r>
+            <a:r>
+              <a:rPr lang="ko-KR" altLang="en-US" dirty="0" smtClean="0"/>
+              <a:t>기지내부</a:t>
+            </a:r>
+            <a:endParaRPr lang="en-US" altLang="ko-KR" dirty="0" smtClean="0"/>
+          </a:p>
+          <a:p>
+            <a:r>
+              <a:rPr lang="en-US" altLang="ko-KR" dirty="0" smtClean="0"/>
+              <a:t>#3</a:t>
+            </a:r>
+            <a:r>
+              <a:rPr lang="ko-KR" altLang="en-US" dirty="0" smtClean="0"/>
+              <a:t>기지내부 통로</a:t>
+            </a:r>
+            <a:endParaRPr lang="en-US" altLang="ko-KR" dirty="0" smtClean="0"/>
+          </a:p>
+          <a:p>
+            <a:r>
+              <a:rPr lang="en-US" altLang="ko-KR" dirty="0" smtClean="0"/>
+              <a:t>#4</a:t>
+            </a:r>
+            <a:r>
+              <a:rPr lang="ko-KR" altLang="en-US" dirty="0" smtClean="0"/>
+              <a:t>기지내부 반사체</a:t>
+            </a:r>
+            <a:endParaRPr lang="en-US" altLang="ko-KR" dirty="0" smtClean="0"/>
+          </a:p>
+          <a:p>
+            <a:r>
+              <a:rPr lang="en-US" altLang="ko-KR" dirty="0" smtClean="0"/>
+              <a:t>#5</a:t>
+            </a:r>
+            <a:r>
+              <a:rPr lang="ko-KR" altLang="en-US" dirty="0" smtClean="0"/>
+              <a:t>기지내부 </a:t>
+            </a:r>
+            <a:r>
+              <a:rPr lang="ko-KR" altLang="en-US" dirty="0" err="1" smtClean="0"/>
+              <a:t>중앙방</a:t>
+            </a:r>
+            <a:endParaRPr lang="en-US" altLang="ko-KR" dirty="0" smtClean="0"/>
+          </a:p>
+          <a:p>
+            <a:pPr lvl="1"/>
+            <a:r>
+              <a:rPr lang="en-US" altLang="ko-KR" dirty="0" smtClean="0"/>
+              <a:t>5-1 </a:t>
+            </a:r>
+            <a:r>
+              <a:rPr lang="ko-KR" altLang="en-US" dirty="0" err="1" smtClean="0"/>
+              <a:t>폭파후</a:t>
+            </a:r>
+            <a:endParaRPr lang="en-US" altLang="ko-KR" dirty="0" smtClean="0"/>
+          </a:p>
+          <a:p>
+            <a:r>
+              <a:rPr lang="en-US" altLang="ko-KR" dirty="0" smtClean="0"/>
+              <a:t>#6</a:t>
+            </a:r>
+            <a:r>
+              <a:rPr lang="ko-KR" altLang="en-US" dirty="0" smtClean="0"/>
+              <a:t>기지내부 자리이동</a:t>
+            </a:r>
+            <a:endParaRPr lang="en-US" altLang="ko-KR" dirty="0" smtClean="0"/>
+          </a:p>
+          <a:p>
+            <a:r>
+              <a:rPr lang="en-US" altLang="ko-KR" dirty="0" smtClean="0"/>
+              <a:t>#7</a:t>
+            </a:r>
+            <a:r>
+              <a:rPr lang="ko-KR" altLang="en-US" dirty="0" smtClean="0"/>
+              <a:t>기지지하</a:t>
+            </a:r>
+            <a:endParaRPr lang="en-US" altLang="ko-KR" dirty="0" smtClean="0"/>
+          </a:p>
+          <a:p>
+            <a:pPr lvl="1"/>
+            <a:r>
+              <a:rPr lang="en-US" altLang="ko-KR" dirty="0" smtClean="0"/>
+              <a:t>7-1 </a:t>
+            </a:r>
+            <a:r>
+              <a:rPr lang="ko-KR" altLang="en-US" dirty="0" err="1" smtClean="0"/>
+              <a:t>폭파후</a:t>
+            </a:r>
+            <a:endParaRPr lang="en-US" altLang="ko-KR" dirty="0" smtClean="0"/>
+          </a:p>
+          <a:p>
+            <a:r>
+              <a:rPr lang="en-US" altLang="ko-KR" dirty="0" smtClean="0"/>
+              <a:t>#8</a:t>
+            </a:r>
+            <a:r>
+              <a:rPr lang="ko-KR" altLang="en-US" dirty="0" smtClean="0"/>
+              <a:t>기지내부 </a:t>
+            </a:r>
+            <a:r>
+              <a:rPr lang="ko-KR" altLang="en-US" dirty="0" err="1" smtClean="0"/>
+              <a:t>물방</a:t>
+            </a:r>
+            <a:endParaRPr lang="en-US" altLang="ko-KR" dirty="0" smtClean="0"/>
+          </a:p>
+          <a:p>
+            <a:pPr lvl="1"/>
+            <a:r>
+              <a:rPr lang="en-US" altLang="ko-KR" dirty="0" smtClean="0"/>
+              <a:t>8-1 </a:t>
+            </a:r>
+            <a:r>
+              <a:rPr lang="ko-KR" altLang="en-US" dirty="0" smtClean="0"/>
+              <a:t>기지내부 </a:t>
+            </a:r>
+            <a:r>
+              <a:rPr lang="ko-KR" altLang="en-US" dirty="0" err="1" smtClean="0"/>
+              <a:t>물미로</a:t>
+            </a:r>
+            <a:endParaRPr lang="en-US" altLang="ko-KR" dirty="0" smtClean="0"/>
+          </a:p>
+          <a:p>
+            <a:r>
+              <a:rPr lang="en-US" altLang="ko-KR" dirty="0" smtClean="0"/>
+              <a:t>#9</a:t>
+            </a:r>
+            <a:r>
+              <a:rPr lang="ko-KR" altLang="en-US" dirty="0" err="1" smtClean="0"/>
+              <a:t>보스방</a:t>
+            </a:r>
+            <a:endParaRPr lang="en-US" altLang="ko-KR" dirty="0" smtClean="0"/>
+          </a:p>
+          <a:p>
+            <a:pPr lvl="1"/>
+            <a:r>
+              <a:rPr lang="en-US" altLang="ko-KR" dirty="0" smtClean="0"/>
+              <a:t>9-1 </a:t>
+            </a:r>
+            <a:r>
+              <a:rPr lang="ko-KR" altLang="en-US" dirty="0" smtClean="0"/>
+              <a:t>보스출현 </a:t>
+            </a:r>
+            <a:endParaRPr lang="en-US" altLang="ko-KR" dirty="0" smtClean="0"/>
+          </a:p>
+          <a:p>
+            <a:pPr lvl="1"/>
+            <a:r>
+              <a:rPr lang="en-US" altLang="ko-KR" dirty="0" smtClean="0"/>
+              <a:t>9-2 </a:t>
+            </a:r>
+            <a:r>
+              <a:rPr lang="ko-KR" altLang="en-US" dirty="0" smtClean="0"/>
+              <a:t>보스 소환패턴</a:t>
+            </a:r>
+            <a:endParaRPr lang="ko-KR" altLang="en-US" dirty="0"/>
+          </a:p>
+        </p:txBody>
+      </p:sp>
+      <p:sp>
+        <p:nvSpPr>
+          <p:cNvPr id="8" name="한쪽 모서리가 둥근 사각형 7"/>
+          <p:cNvSpPr/>
+          <p:nvPr/>
+        </p:nvSpPr>
+        <p:spPr>
+          <a:xfrm>
+            <a:off x="2526728" y="4740355"/>
+            <a:ext cx="195072" cy="298038"/>
+          </a:xfrm>
+          <a:prstGeom prst="round1Rect">
+            <a:avLst/>
+          </a:prstGeom>
+        </p:spPr>
+        <p:style>
+          <a:lnRef idx="2">
+            <a:schemeClr val="accent1">
+              <a:shade val="50000"/>
+            </a:schemeClr>
+          </a:lnRef>
+          <a:fillRef idx="1">
+            <a:schemeClr val="accent1"/>
+          </a:fillRef>
+          <a:effectRef idx="0">
+            <a:schemeClr val="accent1"/>
+          </a:effectRef>
+          <a:fontRef idx="minor">
+            <a:schemeClr val="lt1"/>
+          </a:fontRef>
+        </p:style>
+        <p:txBody>
+          <a:bodyPr rtlCol="0" anchor="ctr"/>
+          <a:lstStyle/>
+          <a:p>
+            <a:pPr algn="ctr"/>
+            <a:endParaRPr lang="ko-KR" altLang="en-US"/>
+          </a:p>
+        </p:txBody>
+      </p:sp>
+      <p:sp>
+        <p:nvSpPr>
+          <p:cNvPr id="23" name="한쪽 모서리가 둥근 사각형 22"/>
+          <p:cNvSpPr/>
+          <p:nvPr/>
+        </p:nvSpPr>
+        <p:spPr>
+          <a:xfrm>
+            <a:off x="2526728" y="3890373"/>
+            <a:ext cx="195072" cy="298038"/>
+          </a:xfrm>
+          <a:prstGeom prst="round1Rect">
+            <a:avLst/>
+          </a:prstGeom>
+        </p:spPr>
+        <p:style>
+          <a:lnRef idx="2">
+            <a:schemeClr val="accent1">
+              <a:shade val="50000"/>
+            </a:schemeClr>
+          </a:lnRef>
+          <a:fillRef idx="1">
+            <a:schemeClr val="accent1"/>
+          </a:fillRef>
+          <a:effectRef idx="0">
+            <a:schemeClr val="accent1"/>
+          </a:effectRef>
+          <a:fontRef idx="minor">
+            <a:schemeClr val="lt1"/>
+          </a:fontRef>
+        </p:style>
+        <p:txBody>
+          <a:bodyPr rtlCol="0" anchor="ctr"/>
+          <a:lstStyle/>
+          <a:p>
+            <a:pPr algn="ctr"/>
+            <a:endParaRPr lang="ko-KR" altLang="en-US"/>
+          </a:p>
+        </p:txBody>
+      </p:sp>
+      <p:sp>
+        <p:nvSpPr>
+          <p:cNvPr id="24" name="한쪽 모서리가 둥근 사각형 23"/>
+          <p:cNvSpPr/>
+          <p:nvPr/>
+        </p:nvSpPr>
+        <p:spPr>
+          <a:xfrm>
+            <a:off x="1819528" y="3547011"/>
+            <a:ext cx="388590" cy="220317"/>
+          </a:xfrm>
+          <a:prstGeom prst="round1Rect">
+            <a:avLst/>
+          </a:prstGeom>
+        </p:spPr>
+        <p:style>
+          <a:lnRef idx="2">
+            <a:schemeClr val="accent1">
+              <a:shade val="50000"/>
+            </a:schemeClr>
+          </a:lnRef>
+          <a:fillRef idx="1">
+            <a:schemeClr val="accent1"/>
+          </a:fillRef>
+          <a:effectRef idx="0">
+            <a:schemeClr val="accent1"/>
+          </a:effectRef>
+          <a:fontRef idx="minor">
+            <a:schemeClr val="lt1"/>
+          </a:fontRef>
+        </p:style>
+        <p:txBody>
+          <a:bodyPr rtlCol="0" anchor="ctr"/>
+          <a:lstStyle/>
+          <a:p>
+            <a:pPr algn="ctr"/>
+            <a:endParaRPr lang="ko-KR" altLang="en-US"/>
+          </a:p>
+        </p:txBody>
+      </p:sp>
+      <p:sp>
+        <p:nvSpPr>
+          <p:cNvPr id="25" name="한쪽 모서리가 둥근 사각형 24"/>
+          <p:cNvSpPr/>
+          <p:nvPr/>
+        </p:nvSpPr>
+        <p:spPr>
+          <a:xfrm>
+            <a:off x="3026852" y="3547011"/>
+            <a:ext cx="388590" cy="220317"/>
+          </a:xfrm>
+          <a:prstGeom prst="round1Rect">
+            <a:avLst/>
+          </a:prstGeom>
+        </p:spPr>
+        <p:style>
+          <a:lnRef idx="2">
+            <a:schemeClr val="accent1">
+              <a:shade val="50000"/>
+            </a:schemeClr>
+          </a:lnRef>
+          <a:fillRef idx="1">
+            <a:schemeClr val="accent1"/>
+          </a:fillRef>
+          <a:effectRef idx="0">
+            <a:schemeClr val="accent1"/>
+          </a:effectRef>
+          <a:fontRef idx="minor">
+            <a:schemeClr val="lt1"/>
+          </a:fontRef>
+        </p:style>
+        <p:txBody>
+          <a:bodyPr rtlCol="0" anchor="ctr"/>
+          <a:lstStyle/>
+          <a:p>
+            <a:pPr algn="ctr"/>
+            <a:endParaRPr lang="ko-KR" altLang="en-US"/>
+          </a:p>
+        </p:txBody>
+      </p:sp>
+      <p:sp>
+        <p:nvSpPr>
+          <p:cNvPr id="26" name="한쪽 모서리가 둥근 사각형 25"/>
+          <p:cNvSpPr/>
+          <p:nvPr/>
+        </p:nvSpPr>
+        <p:spPr>
+          <a:xfrm>
+            <a:off x="4257928" y="3547011"/>
+            <a:ext cx="388590" cy="220317"/>
+          </a:xfrm>
+          <a:prstGeom prst="round1Rect">
+            <a:avLst/>
+          </a:prstGeom>
+        </p:spPr>
+        <p:style>
+          <a:lnRef idx="2">
+            <a:schemeClr val="accent1">
+              <a:shade val="50000"/>
+            </a:schemeClr>
+          </a:lnRef>
+          <a:fillRef idx="1">
+            <a:schemeClr val="accent1"/>
+          </a:fillRef>
+          <a:effectRef idx="0">
+            <a:schemeClr val="accent1"/>
+          </a:effectRef>
+          <a:fontRef idx="minor">
+            <a:schemeClr val="lt1"/>
+          </a:fontRef>
+        </p:style>
+        <p:txBody>
+          <a:bodyPr rtlCol="0" anchor="ctr"/>
+          <a:lstStyle/>
+          <a:p>
+            <a:pPr algn="ctr"/>
+            <a:endParaRPr lang="ko-KR" altLang="en-US"/>
+          </a:p>
+        </p:txBody>
+      </p:sp>
+      <p:sp>
+        <p:nvSpPr>
+          <p:cNvPr id="27" name="한쪽 모서리가 둥근 사각형 26"/>
+          <p:cNvSpPr/>
+          <p:nvPr/>
+        </p:nvSpPr>
+        <p:spPr>
+          <a:xfrm>
+            <a:off x="3778393" y="3159944"/>
+            <a:ext cx="195072" cy="298038"/>
+          </a:xfrm>
+          <a:prstGeom prst="round1Rect">
+            <a:avLst/>
+          </a:prstGeom>
+        </p:spPr>
+        <p:style>
+          <a:lnRef idx="2">
+            <a:schemeClr val="accent1">
+              <a:shade val="50000"/>
+            </a:schemeClr>
+          </a:lnRef>
+          <a:fillRef idx="1">
+            <a:schemeClr val="accent1"/>
+          </a:fillRef>
+          <a:effectRef idx="0">
+            <a:schemeClr val="accent1"/>
+          </a:effectRef>
+          <a:fontRef idx="minor">
+            <a:schemeClr val="lt1"/>
+          </a:fontRef>
+        </p:style>
+        <p:txBody>
+          <a:bodyPr rtlCol="0" anchor="ctr"/>
+          <a:lstStyle/>
+          <a:p>
+            <a:pPr algn="ctr"/>
+            <a:endParaRPr lang="ko-KR" altLang="en-US"/>
+          </a:p>
+        </p:txBody>
+      </p:sp>
+      <p:sp>
+        <p:nvSpPr>
+          <p:cNvPr id="28" name="한쪽 모서리가 둥근 사각형 27"/>
+          <p:cNvSpPr/>
+          <p:nvPr/>
+        </p:nvSpPr>
+        <p:spPr>
+          <a:xfrm>
+            <a:off x="3778393" y="2257861"/>
+            <a:ext cx="195072" cy="298038"/>
+          </a:xfrm>
+          <a:prstGeom prst="round1Rect">
+            <a:avLst/>
+          </a:prstGeom>
+        </p:spPr>
+        <p:style>
+          <a:lnRef idx="2">
+            <a:schemeClr val="accent1">
+              <a:shade val="50000"/>
+            </a:schemeClr>
+          </a:lnRef>
+          <a:fillRef idx="1">
+            <a:schemeClr val="accent1"/>
+          </a:fillRef>
+          <a:effectRef idx="0">
+            <a:schemeClr val="accent1"/>
+          </a:effectRef>
+          <a:fontRef idx="minor">
+            <a:schemeClr val="lt1"/>
+          </a:fontRef>
+        </p:style>
+        <p:txBody>
+          <a:bodyPr rtlCol="0" anchor="ctr"/>
+          <a:lstStyle/>
+          <a:p>
+            <a:pPr algn="ctr"/>
+            <a:endParaRPr lang="ko-KR" altLang="en-US"/>
+          </a:p>
+        </p:txBody>
+      </p:sp>
+      <p:cxnSp>
+        <p:nvCxnSpPr>
+          <p:cNvPr id="30" name="꺾인 연결선 29"/>
+          <p:cNvCxnSpPr>
+            <a:stCxn id="16" idx="2"/>
+            <a:endCxn id="11" idx="3"/>
+          </p:cNvCxnSpPr>
+          <p:nvPr/>
+        </p:nvCxnSpPr>
+        <p:spPr>
+          <a:xfrm rot="5400000">
+            <a:off x="4376939" y="3810021"/>
+            <a:ext cx="565032" cy="803054"/>
+          </a:xfrm>
+          <a:prstGeom prst="bentConnector2">
+            <a:avLst/>
+          </a:prstGeom>
+          <a:ln w="57150">
+            <a:prstDash val="sysDash"/>
+            <a:tailEnd type="triangle"/>
+          </a:ln>
+        </p:spPr>
+        <p:style>
+          <a:lnRef idx="1">
+            <a:schemeClr val="accent1"/>
+          </a:lnRef>
+          <a:fillRef idx="0">
+            <a:schemeClr val="accent1"/>
+          </a:fillRef>
+          <a:effectRef idx="0">
+            <a:schemeClr val="accent1"/>
+          </a:effectRef>
+          <a:fontRef idx="minor">
+            <a:schemeClr val="tx1"/>
+          </a:fontRef>
+        </p:style>
+      </p:cxnSp>
+      <p:cxnSp>
+        <p:nvCxnSpPr>
+          <p:cNvPr id="39" name="직선 화살표 연결선 38"/>
+          <p:cNvCxnSpPr>
+            <a:stCxn id="11" idx="0"/>
+            <a:endCxn id="12" idx="2"/>
+          </p:cNvCxnSpPr>
+          <p:nvPr/>
+        </p:nvCxnSpPr>
+        <p:spPr>
+          <a:xfrm flipV="1">
+            <a:off x="3843464" y="3929032"/>
+            <a:ext cx="0" cy="287942"/>
+          </a:xfrm>
+          <a:prstGeom prst="straightConnector1">
+            <a:avLst/>
+          </a:prstGeom>
+          <a:ln>
+            <a:prstDash val="sysDash"/>
+            <a:tailEnd type="triangle"/>
+          </a:ln>
+        </p:spPr>
+        <p:style>
+          <a:lnRef idx="1">
+            <a:schemeClr val="accent1"/>
+          </a:lnRef>
+          <a:fillRef idx="0">
+            <a:schemeClr val="accent1"/>
+          </a:fillRef>
+          <a:effectRef idx="0">
+            <a:schemeClr val="accent1"/>
+          </a:effectRef>
+          <a:fontRef idx="minor">
+            <a:schemeClr val="tx1"/>
+          </a:fontRef>
+        </p:style>
+      </p:cxnSp>
+      <p:sp>
+        <p:nvSpPr>
+          <p:cNvPr id="46" name="직사각형 45"/>
+          <p:cNvSpPr/>
+          <p:nvPr/>
+        </p:nvSpPr>
+        <p:spPr>
+          <a:xfrm>
+            <a:off x="3501165" y="3457744"/>
+            <a:ext cx="828928" cy="554180"/>
+          </a:xfrm>
+          <a:prstGeom prst="rect">
+            <a:avLst/>
+          </a:prstGeom>
+        </p:spPr>
+        <p:style>
+          <a:lnRef idx="2">
+            <a:schemeClr val="accent1">
+              <a:shade val="50000"/>
+            </a:schemeClr>
+          </a:lnRef>
+          <a:fillRef idx="1">
+            <a:schemeClr val="accent1"/>
+          </a:fillRef>
+          <a:effectRef idx="0">
+            <a:schemeClr val="accent1"/>
+          </a:effectRef>
+          <a:fontRef idx="minor">
+            <a:schemeClr val="lt1"/>
+          </a:fontRef>
+        </p:style>
+        <p:txBody>
+          <a:bodyPr rtlCol="0" anchor="ctr"/>
+          <a:lstStyle/>
+          <a:p>
+            <a:pPr algn="ctr"/>
+            <a:r>
+              <a:rPr lang="en-US" altLang="ko-KR" b="1" dirty="0" smtClean="0"/>
+              <a:t>#5</a:t>
+            </a:r>
+            <a:endParaRPr lang="ko-KR" altLang="en-US" b="1" dirty="0"/>
+          </a:p>
+        </p:txBody>
+      </p:sp>
+      <p:sp>
+        <p:nvSpPr>
+          <p:cNvPr id="47" name="직사각형 46"/>
+          <p:cNvSpPr/>
+          <p:nvPr/>
+        </p:nvSpPr>
+        <p:spPr>
+          <a:xfrm>
+            <a:off x="3517457" y="1752578"/>
+            <a:ext cx="828928" cy="554180"/>
+          </a:xfrm>
+          <a:prstGeom prst="rect">
+            <a:avLst/>
+          </a:prstGeom>
+        </p:spPr>
+        <p:style>
+          <a:lnRef idx="2">
+            <a:schemeClr val="accent1">
+              <a:shade val="50000"/>
+            </a:schemeClr>
+          </a:lnRef>
+          <a:fillRef idx="1">
+            <a:schemeClr val="accent1"/>
+          </a:fillRef>
+          <a:effectRef idx="0">
+            <a:schemeClr val="accent1"/>
+          </a:effectRef>
+          <a:fontRef idx="minor">
+            <a:schemeClr val="lt1"/>
+          </a:fontRef>
+        </p:style>
+        <p:txBody>
+          <a:bodyPr rtlCol="0" anchor="ctr"/>
+          <a:lstStyle/>
+          <a:p>
+            <a:pPr algn="ctr"/>
+            <a:r>
+              <a:rPr lang="en-US" altLang="ko-KR" b="1" dirty="0" smtClean="0">
+                <a:solidFill>
+                  <a:srgbClr val="FF0000"/>
+                </a:solidFill>
+              </a:rPr>
+              <a:t>B#9</a:t>
+            </a:r>
+            <a:endParaRPr lang="ko-KR" altLang="en-US" b="1" dirty="0">
+              <a:solidFill>
+                <a:srgbClr val="FF0000"/>
+              </a:solidFill>
+            </a:endParaRPr>
+          </a:p>
+        </p:txBody>
+      </p:sp>
     </p:spTree>
     <p:extLst>
       <p:ext uri="{BB962C8B-B14F-4D97-AF65-F5344CB8AC3E}">
-        <p14:creationId xmlns:p14="http://schemas.microsoft.com/office/powerpoint/2010/main" val="1390204123"/>
+        <p14:creationId xmlns:p14="http://schemas.microsoft.com/office/powerpoint/2010/main" val="1207173433"/>
       </p:ext>
     </p:extLst>
   </p:cSld>
   <p:clrMapOvr>
     <a:masterClrMapping/>
   </p:clrMapOvr>
-  <p:timing>
-    <p:tnLst>
-      <p:par>
-        <p:cTn id="1" dur="indefinite" restart="never" nodeType="tmRoot"/>
-      </p:par>
-    </p:tnLst>
-  </p:timing>
 </p:sld>
 </file>
 
